--- a/BUDGET MANAGING FOR.pptx
+++ b/BUDGET MANAGING FOR.pptx
@@ -5865,12 +5865,12 @@
         <p:spPr>
           <a:xfrm>
             <a:off x="1524000" y="618565"/>
-            <a:ext cx="7835153" cy="1828800"/>
+            <a:ext cx="9144000" cy="1828800"/>
           </a:xfrm>
         </p:spPr>
         <p:txBody>
           <a:bodyPr>
-            <a:normAutofit fontScale="90000"/>
+            <a:normAutofit/>
           </a:bodyPr>
           <a:lstStyle/>
           <a:p>
@@ -5904,13 +5904,13 @@
         </p:nvSpPr>
         <p:spPr>
           <a:xfrm>
-            <a:off x="1154955" y="2743199"/>
-            <a:ext cx="8825658" cy="2756647"/>
+            <a:off x="1154955" y="2743200"/>
+            <a:ext cx="8825658" cy="1062318"/>
           </a:xfrm>
         </p:spPr>
         <p:txBody>
           <a:bodyPr>
-            <a:normAutofit/>
+            <a:normAutofit fontScale="92500" lnSpcReduction="10000"/>
           </a:bodyPr>
           <a:lstStyle/>
           <a:p>
@@ -5950,31 +5950,7 @@
                   </a:schemeClr>
                 </a:solidFill>
               </a:rPr>
-              <a:t>CSE</a:t>
-            </a:r>
-          </a:p>
-          <a:p>
-            <a:r>
-              <a:rPr lang="en-US" dirty="0">
-                <a:solidFill>
-                  <a:schemeClr val="accent3">
-                    <a:lumMod val="75000"/>
-                  </a:schemeClr>
-                </a:solidFill>
-              </a:rPr>
-              <a:t>CSA3731- SOFTWARE TESTING FOR ANDROID APPLICATIONS</a:t>
-            </a:r>
-          </a:p>
-          <a:p>
-            <a:r>
-              <a:rPr lang="en-US" dirty="0">
-                <a:solidFill>
-                  <a:schemeClr val="accent3">
-                    <a:lumMod val="75000"/>
-                  </a:schemeClr>
-                </a:solidFill>
-              </a:rPr>
-              <a:t>31/01/2023                   </a:t>
+              <a:t>CSE                   </a:t>
             </a:r>
             <a:endParaRPr lang="en-IN" dirty="0">
               <a:solidFill>
@@ -8659,64 +8635,52 @@
         </p:nvSpPr>
         <p:spPr/>
         <p:txBody>
-          <a:bodyPr>
-            <a:normAutofit/>
-          </a:bodyPr>
+          <a:bodyPr/>
           <a:lstStyle/>
           <a:p>
             <a:r>
-              <a:rPr lang="en-IN" sz="2400" dirty="0"/>
+              <a:rPr lang="en-IN" dirty="0"/>
               <a:t>All the </a:t>
             </a:r>
             <a:r>
-              <a:rPr lang="en-US" sz="2400" dirty="0"/>
+              <a:rPr lang="en-US" dirty="0"/>
               <a:t>Revenue</a:t>
             </a:r>
             <a:r>
-              <a:rPr lang="en-IN" sz="2400" dirty="0"/>
+              <a:rPr lang="en-IN" dirty="0"/>
               <a:t> ,</a:t>
             </a:r>
             <a:r>
-              <a:rPr lang="en-US" sz="2400" dirty="0"/>
+              <a:rPr lang="en-US" dirty="0"/>
               <a:t> Expense</a:t>
             </a:r>
             <a:r>
-              <a:rPr lang="en-IN" sz="2400" dirty="0"/>
+              <a:rPr lang="en-IN" dirty="0"/>
               <a:t>,</a:t>
             </a:r>
             <a:r>
-              <a:rPr lang="en-US" sz="2400" dirty="0"/>
+              <a:rPr lang="en-US" dirty="0"/>
               <a:t> Budget Date</a:t>
             </a:r>
             <a:r>
-              <a:rPr lang="en-IN" sz="2400" dirty="0"/>
+              <a:rPr lang="en-IN" dirty="0"/>
               <a:t> and Possible Outcomes were Tested using the Appium Server.</a:t>
             </a:r>
           </a:p>
           <a:p>
             <a:r>
-              <a:rPr lang="en-IN" sz="2400" dirty="0"/>
+              <a:rPr lang="en-IN" dirty="0"/>
               <a:t>70 Percentage of the Test cases were positive</a:t>
             </a:r>
           </a:p>
           <a:p>
             <a:r>
-              <a:rPr lang="en-IN" sz="2400" dirty="0"/>
+              <a:rPr lang="en-IN" dirty="0"/>
               <a:t>30 percentage were negative.</a:t>
             </a:r>
           </a:p>
           <a:p>
-            <a:r>
-              <a:rPr lang="en-US" sz="2400" dirty="0"/>
-              <a:t>B</a:t>
-            </a:r>
-            <a:r>
-              <a:rPr lang="en-IN" sz="2400" dirty="0"/>
-              <a:t>y Generating Bills , Enabling Transactions and Importing and Exporting Bill receipts we can overcome all Negative Outcomes.</a:t>
-            </a:r>
-          </a:p>
-          <a:p>
-            <a:endParaRPr lang="en-IN" sz="2400" dirty="0"/>
+            <a:endParaRPr lang="en-IN" dirty="0"/>
           </a:p>
         </p:txBody>
       </p:sp>
@@ -8769,7 +8733,7 @@
         <p:spPr>
           <a:xfrm>
             <a:off x="1507067" y="-775854"/>
-            <a:ext cx="6117415" cy="1939636"/>
+            <a:ext cx="7766936" cy="1939636"/>
           </a:xfrm>
         </p:spPr>
         <p:txBody>
